--- a/slides/24th Jan 2024.pptx
+++ b/slides/24th Jan 2024.pptx
@@ -9,14 +9,12 @@
     <p:sldId id="259" r:id="rId3"/>
     <p:sldId id="258" r:id="rId4"/>
     <p:sldId id="274" r:id="rId5"/>
-    <p:sldId id="262" r:id="rId6"/>
-    <p:sldId id="260" r:id="rId7"/>
+    <p:sldId id="280" r:id="rId6"/>
+    <p:sldId id="262" r:id="rId7"/>
     <p:sldId id="276" r:id="rId8"/>
     <p:sldId id="277" r:id="rId9"/>
-    <p:sldId id="278" r:id="rId10"/>
-    <p:sldId id="279" r:id="rId11"/>
-    <p:sldId id="280" r:id="rId12"/>
-    <p:sldId id="275" r:id="rId13"/>
+    <p:sldId id="279" r:id="rId10"/>
+    <p:sldId id="275" r:id="rId11"/>
   </p:sldIdLst>
   <p:sldSz cx="12192000" cy="6858000"/>
   <p:notesSz cx="6858000" cy="9144000"/>
@@ -7701,21 +7699,16 @@
           <a:p>
             <a:r>
               <a:rPr lang="en-US" dirty="0"/>
-              <a:t>Wednesday </a:t>
-            </a:r>
-            <a:r>
-              <a:rPr lang="en-US"/>
-              <a:t>24</a:t>
-            </a:r>
-            <a:r>
-              <a:rPr lang="en-US" baseline="30000"/>
+              <a:t>Wednesday 24</a:t>
+            </a:r>
+            <a:r>
+              <a:rPr lang="en-US" baseline="30000" dirty="0"/>
               <a:t>th</a:t>
             </a:r>
             <a:r>
-              <a:rPr lang="en-US"/>
+              <a:rPr lang="en-US" dirty="0"/>
               <a:t> January 2024</a:t>
             </a:r>
-            <a:endParaRPr lang="en-US" dirty="0"/>
           </a:p>
         </p:txBody>
       </p:sp>
@@ -7751,358 +7744,6 @@
       </p:grpSpPr>
       <p:sp>
         <p:nvSpPr>
-          <p:cNvPr id="2" name="Title 1">
-            <a:extLst>
-              <a:ext uri="{FF2B5EF4-FFF2-40B4-BE49-F238E27FC236}">
-                <a16:creationId xmlns:a16="http://schemas.microsoft.com/office/drawing/2014/main" id="{E3B7F971-0CAB-6502-D392-EE872561F03C}"/>
-              </a:ext>
-            </a:extLst>
-          </p:cNvPr>
-          <p:cNvSpPr>
-            <a:spLocks noGrp="1"/>
-          </p:cNvSpPr>
-          <p:nvPr>
-            <p:ph type="title"/>
-          </p:nvPr>
-        </p:nvSpPr>
-        <p:spPr>
-          <a:xfrm>
-            <a:off x="4912946" y="401938"/>
-            <a:ext cx="4499708" cy="1280890"/>
-          </a:xfrm>
-        </p:spPr>
-        <p:txBody>
-          <a:bodyPr>
-            <a:normAutofit/>
-          </a:bodyPr>
-          <a:lstStyle/>
-          <a:p>
-            <a:pPr fontAlgn="base"/>
-            <a:r>
-              <a:rPr lang="en-US" b="1" i="0" dirty="0">
-                <a:solidFill>
-                  <a:srgbClr val="222222"/>
-                </a:solidFill>
-                <a:effectLst/>
-                <a:latin typeface="lato" panose="020F0502020204030203" pitchFamily="34" charset="0"/>
-              </a:rPr>
-              <a:t>Variables</a:t>
-            </a:r>
-            <a:endParaRPr lang="en-US" dirty="0"/>
-          </a:p>
-        </p:txBody>
-      </p:sp>
-      <p:pic>
-        <p:nvPicPr>
-          <p:cNvPr id="5" name="Picture 4" descr="A computer screen with numbers and symbols&#10;&#10;Description automatically generated">
-            <a:extLst>
-              <a:ext uri="{FF2B5EF4-FFF2-40B4-BE49-F238E27FC236}">
-                <a16:creationId xmlns:a16="http://schemas.microsoft.com/office/drawing/2014/main" id="{42AA2324-FD08-B084-C2A8-771D51C931CA}"/>
-              </a:ext>
-            </a:extLst>
-          </p:cNvPr>
-          <p:cNvPicPr>
-            <a:picLocks noChangeAspect="1"/>
-          </p:cNvPicPr>
-          <p:nvPr/>
-        </p:nvPicPr>
-        <p:blipFill>
-          <a:blip r:embed="rId2"/>
-          <a:stretch>
-            <a:fillRect/>
-          </a:stretch>
-        </p:blipFill>
-        <p:spPr>
-          <a:xfrm>
-            <a:off x="3125414" y="4066722"/>
-            <a:ext cx="5350945" cy="2029278"/>
-          </a:xfrm>
-          <a:prstGeom prst="rect">
-            <a:avLst/>
-          </a:prstGeom>
-        </p:spPr>
-      </p:pic>
-      <p:pic>
-        <p:nvPicPr>
-          <p:cNvPr id="7" name="Picture 6" descr="A computer screen with colorful text&#10;&#10;Description automatically generated">
-            <a:extLst>
-              <a:ext uri="{FF2B5EF4-FFF2-40B4-BE49-F238E27FC236}">
-                <a16:creationId xmlns:a16="http://schemas.microsoft.com/office/drawing/2014/main" id="{A4E3B803-6C44-2501-080D-7FA122517AE2}"/>
-              </a:ext>
-            </a:extLst>
-          </p:cNvPr>
-          <p:cNvPicPr>
-            <a:picLocks noChangeAspect="1"/>
-          </p:cNvPicPr>
-          <p:nvPr/>
-        </p:nvPicPr>
-        <p:blipFill>
-          <a:blip r:embed="rId3"/>
-          <a:stretch>
-            <a:fillRect/>
-          </a:stretch>
-        </p:blipFill>
-        <p:spPr>
-          <a:xfrm>
-            <a:off x="3125414" y="1325336"/>
-            <a:ext cx="5350944" cy="2524842"/>
-          </a:xfrm>
-          <a:prstGeom prst="rect">
-            <a:avLst/>
-          </a:prstGeom>
-        </p:spPr>
-      </p:pic>
-      <p:pic>
-        <p:nvPicPr>
-          <p:cNvPr id="5126" name="Picture 6" descr="Checkmark PNG, Checkmark Transparent Background - FreeIconsPNG">
-            <a:extLst>
-              <a:ext uri="{FF2B5EF4-FFF2-40B4-BE49-F238E27FC236}">
-                <a16:creationId xmlns:a16="http://schemas.microsoft.com/office/drawing/2014/main" id="{135C02E3-E7F6-D69E-E57B-889AA1101DC3}"/>
-              </a:ext>
-            </a:extLst>
-          </p:cNvPr>
-          <p:cNvPicPr>
-            <a:picLocks noChangeAspect="1" noChangeArrowheads="1"/>
-          </p:cNvPicPr>
-          <p:nvPr/>
-        </p:nvPicPr>
-        <p:blipFill>
-          <a:blip r:embed="rId4">
-            <a:extLst>
-              <a:ext uri="{28A0092B-C50C-407E-A947-70E740481C1C}">
-                <a14:useLocalDpi xmlns:a14="http://schemas.microsoft.com/office/drawing/2010/main" val="0"/>
-              </a:ext>
-            </a:extLst>
-          </a:blip>
-          <a:srcRect/>
-          <a:stretch>
-            <a:fillRect/>
-          </a:stretch>
-        </p:blipFill>
-        <p:spPr bwMode="auto">
-          <a:xfrm>
-            <a:off x="8723086" y="4165600"/>
-            <a:ext cx="2032000" cy="1930400"/>
-          </a:xfrm>
-          <a:prstGeom prst="rect">
-            <a:avLst/>
-          </a:prstGeom>
-          <a:noFill/>
-          <a:extLst>
-            <a:ext uri="{909E8E84-426E-40DD-AFC4-6F175D3DCCD1}">
-              <a14:hiddenFill xmlns:a14="http://schemas.microsoft.com/office/drawing/2010/main">
-                <a:solidFill>
-                  <a:srgbClr val="FFFFFF"/>
-                </a:solidFill>
-              </a14:hiddenFill>
-            </a:ext>
-          </a:extLst>
-        </p:spPr>
-      </p:pic>
-      <p:pic>
-        <p:nvPicPr>
-          <p:cNvPr id="5138" name="Picture 18" descr="Wrong Sign PNG Transparent Images Free Download | Vector Files | Pngtree">
-            <a:extLst>
-              <a:ext uri="{FF2B5EF4-FFF2-40B4-BE49-F238E27FC236}">
-                <a16:creationId xmlns:a16="http://schemas.microsoft.com/office/drawing/2014/main" id="{C9D586A0-095D-8354-41A6-0422E2149943}"/>
-              </a:ext>
-            </a:extLst>
-          </p:cNvPr>
-          <p:cNvPicPr>
-            <a:picLocks noChangeAspect="1" noChangeArrowheads="1"/>
-          </p:cNvPicPr>
-          <p:nvPr/>
-        </p:nvPicPr>
-        <p:blipFill>
-          <a:blip r:embed="rId5">
-            <a:extLst>
-              <a:ext uri="{28A0092B-C50C-407E-A947-70E740481C1C}">
-                <a14:useLocalDpi xmlns:a14="http://schemas.microsoft.com/office/drawing/2010/main" val="0"/>
-              </a:ext>
-            </a:extLst>
-          </a:blip>
-          <a:srcRect/>
-          <a:stretch>
-            <a:fillRect/>
-          </a:stretch>
-        </p:blipFill>
-        <p:spPr bwMode="auto">
-          <a:xfrm>
-            <a:off x="8476665" y="1429979"/>
-            <a:ext cx="2524842" cy="2524842"/>
-          </a:xfrm>
-          <a:prstGeom prst="rect">
-            <a:avLst/>
-          </a:prstGeom>
-          <a:noFill/>
-          <a:extLst>
-            <a:ext uri="{909E8E84-426E-40DD-AFC4-6F175D3DCCD1}">
-              <a14:hiddenFill xmlns:a14="http://schemas.microsoft.com/office/drawing/2010/main">
-                <a:solidFill>
-                  <a:srgbClr val="FFFFFF"/>
-                </a:solidFill>
-              </a14:hiddenFill>
-            </a:ext>
-          </a:extLst>
-        </p:spPr>
-      </p:pic>
-    </p:spTree>
-    <p:extLst>
-      <p:ext uri="{BB962C8B-B14F-4D97-AF65-F5344CB8AC3E}">
-        <p14:creationId xmlns:p14="http://schemas.microsoft.com/office/powerpoint/2010/main" val="606213148"/>
-      </p:ext>
-    </p:extLst>
-  </p:cSld>
-  <p:clrMapOvr>
-    <a:masterClrMapping/>
-  </p:clrMapOvr>
-</p:sld>
-</file>
-
-<file path=ppt/slides/slide11.xml><?xml version="1.0" encoding="utf-8"?>
-<p:sld xmlns:a="http://schemas.openxmlformats.org/drawingml/2006/main" xmlns:r="http://schemas.openxmlformats.org/officeDocument/2006/relationships" xmlns:p="http://schemas.openxmlformats.org/presentationml/2006/main">
-  <p:cSld>
-    <p:spTree>
-      <p:nvGrpSpPr>
-        <p:cNvPr id="1" name=""/>
-        <p:cNvGrpSpPr/>
-        <p:nvPr/>
-      </p:nvGrpSpPr>
-      <p:grpSpPr>
-        <a:xfrm>
-          <a:off x="0" y="0"/>
-          <a:ext cx="0" cy="0"/>
-          <a:chOff x="0" y="0"/>
-          <a:chExt cx="0" cy="0"/>
-        </a:xfrm>
-      </p:grpSpPr>
-      <p:sp>
-        <p:nvSpPr>
-          <p:cNvPr id="2" name="Title 1">
-            <a:extLst>
-              <a:ext uri="{FF2B5EF4-FFF2-40B4-BE49-F238E27FC236}">
-                <a16:creationId xmlns:a16="http://schemas.microsoft.com/office/drawing/2014/main" id="{E3B7F971-0CAB-6502-D392-EE872561F03C}"/>
-              </a:ext>
-            </a:extLst>
-          </p:cNvPr>
-          <p:cNvSpPr>
-            <a:spLocks noGrp="1"/>
-          </p:cNvSpPr>
-          <p:nvPr>
-            <p:ph type="title"/>
-          </p:nvPr>
-        </p:nvSpPr>
-        <p:spPr>
-          <a:xfrm>
-            <a:off x="4793203" y="499910"/>
-            <a:ext cx="4499708" cy="1280890"/>
-          </a:xfrm>
-        </p:spPr>
-        <p:txBody>
-          <a:bodyPr>
-            <a:normAutofit/>
-          </a:bodyPr>
-          <a:lstStyle/>
-          <a:p>
-            <a:pPr fontAlgn="base"/>
-            <a:r>
-              <a:rPr lang="en-US" b="1" dirty="0" err="1">
-                <a:solidFill>
-                  <a:srgbClr val="222222"/>
-                </a:solidFill>
-                <a:latin typeface="lato" panose="020F0502020204030203" pitchFamily="34" charset="0"/>
-              </a:rPr>
-              <a:t>Opdracht</a:t>
-            </a:r>
-            <a:r>
-              <a:rPr lang="en-US" b="1" dirty="0">
-                <a:solidFill>
-                  <a:srgbClr val="222222"/>
-                </a:solidFill>
-                <a:latin typeface="lato" panose="020F0502020204030203" pitchFamily="34" charset="0"/>
-              </a:rPr>
-              <a:t> </a:t>
-            </a:r>
-            <a:endParaRPr lang="en-US" dirty="0"/>
-          </a:p>
-        </p:txBody>
-      </p:sp>
-      <p:sp>
-        <p:nvSpPr>
-          <p:cNvPr id="3" name="TextBox 2">
-            <a:extLst>
-              <a:ext uri="{FF2B5EF4-FFF2-40B4-BE49-F238E27FC236}">
-                <a16:creationId xmlns:a16="http://schemas.microsoft.com/office/drawing/2014/main" id="{2EEA7D84-D8CC-C016-39BF-DEC30F14A660}"/>
-              </a:ext>
-            </a:extLst>
-          </p:cNvPr>
-          <p:cNvSpPr txBox="1"/>
-          <p:nvPr/>
-        </p:nvSpPr>
-        <p:spPr>
-          <a:xfrm>
-            <a:off x="3902529" y="3105834"/>
-            <a:ext cx="4582885" cy="646331"/>
-          </a:xfrm>
-          <a:prstGeom prst="rect">
-            <a:avLst/>
-          </a:prstGeom>
-          <a:noFill/>
-        </p:spPr>
-        <p:txBody>
-          <a:bodyPr wrap="square" rtlCol="0">
-            <a:spAutoFit/>
-          </a:bodyPr>
-          <a:lstStyle/>
-          <a:p>
-            <a:r>
-              <a:rPr lang="en-US" sz="3600" dirty="0" err="1"/>
-              <a:t>Github</a:t>
-            </a:r>
-            <a:r>
-              <a:rPr lang="en-US" sz="3600" dirty="0"/>
-              <a:t> </a:t>
-            </a:r>
-            <a:r>
-              <a:rPr lang="en-US" sz="3600" dirty="0" err="1"/>
-              <a:t>Registratie</a:t>
-            </a:r>
-            <a:endParaRPr lang="en-US" sz="3600" dirty="0"/>
-          </a:p>
-        </p:txBody>
-      </p:sp>
-    </p:spTree>
-    <p:extLst>
-      <p:ext uri="{BB962C8B-B14F-4D97-AF65-F5344CB8AC3E}">
-        <p14:creationId xmlns:p14="http://schemas.microsoft.com/office/powerpoint/2010/main" val="131120248"/>
-      </p:ext>
-    </p:extLst>
-  </p:cSld>
-  <p:clrMapOvr>
-    <a:masterClrMapping/>
-  </p:clrMapOvr>
-</p:sld>
-</file>
-
-<file path=ppt/slides/slide12.xml><?xml version="1.0" encoding="utf-8"?>
-<p:sld xmlns:a="http://schemas.openxmlformats.org/drawingml/2006/main" xmlns:r="http://schemas.openxmlformats.org/officeDocument/2006/relationships" xmlns:p="http://schemas.openxmlformats.org/presentationml/2006/main">
-  <p:cSld>
-    <p:spTree>
-      <p:nvGrpSpPr>
-        <p:cNvPr id="1" name=""/>
-        <p:cNvGrpSpPr/>
-        <p:nvPr/>
-      </p:nvGrpSpPr>
-      <p:grpSpPr>
-        <a:xfrm>
-          <a:off x="0" y="0"/>
-          <a:ext cx="0" cy="0"/>
-          <a:chOff x="0" y="0"/>
-          <a:chExt cx="0" cy="0"/>
-        </a:xfrm>
-      </p:grpSpPr>
-      <p:sp>
-        <p:nvSpPr>
           <p:cNvPr id="3" name="Content Placeholder 2">
             <a:extLst>
               <a:ext uri="{FF2B5EF4-FFF2-40B4-BE49-F238E27FC236}">
@@ -8188,8 +7829,8 @@
         </p:nvSpPr>
         <p:spPr>
           <a:xfrm>
-            <a:off x="5147944" y="475023"/>
-            <a:ext cx="3797936" cy="1280890"/>
+            <a:off x="2932043" y="475023"/>
+            <a:ext cx="6013837" cy="1280890"/>
           </a:xfrm>
         </p:spPr>
         <p:txBody>
@@ -8198,7 +7839,7 @@
           <a:p>
             <a:r>
               <a:rPr lang="en-US" dirty="0"/>
-              <a:t>Agenda</a:t>
+              <a:t>Agenda Problem Solving</a:t>
             </a:r>
           </a:p>
         </p:txBody>
@@ -8225,35 +7866,8 @@
           <a:lstStyle/>
           <a:p>
             <a:r>
-              <a:rPr lang="en-US" dirty="0" err="1"/>
-              <a:t>Kennismaking</a:t>
-            </a:r>
-            <a:endParaRPr lang="en-US" dirty="0"/>
-          </a:p>
-          <a:p>
-            <a:r>
               <a:rPr lang="en-US" dirty="0"/>
-              <a:t>Grading - </a:t>
-            </a:r>
-            <a:r>
-              <a:rPr lang="en-US" dirty="0" err="1"/>
-              <a:t>Tentamen</a:t>
-            </a:r>
-            <a:r>
-              <a:rPr lang="en-US" dirty="0"/>
-              <a:t> Mode</a:t>
-            </a:r>
-          </a:p>
-          <a:p>
-            <a:r>
-              <a:rPr lang="en-US" dirty="0"/>
-              <a:t>Fundamentals C++</a:t>
-            </a:r>
-          </a:p>
-          <a:p>
-            <a:r>
-              <a:rPr lang="en-US" dirty="0"/>
-              <a:t>Variables</a:t>
+              <a:t>Sets in C++</a:t>
             </a:r>
           </a:p>
         </p:txBody>
@@ -8306,17 +7920,19 @@
         </p:nvSpPr>
         <p:spPr>
           <a:xfrm>
-            <a:off x="5317435" y="410065"/>
-            <a:ext cx="1331843" cy="759440"/>
+            <a:off x="2902226" y="419628"/>
+            <a:ext cx="5913783" cy="759440"/>
           </a:xfrm>
         </p:spPr>
         <p:txBody>
-          <a:bodyPr/>
+          <a:bodyPr>
+            <a:normAutofit/>
+          </a:bodyPr>
           <a:lstStyle/>
           <a:p>
             <a:r>
               <a:rPr lang="en-US" dirty="0"/>
-              <a:t>Intro.</a:t>
+              <a:t>Uniqueness of Elements</a:t>
             </a:r>
           </a:p>
         </p:txBody>
@@ -8339,8 +7955,8 @@
         </p:nvSpPr>
         <p:spPr>
           <a:xfrm>
-            <a:off x="2902225" y="1258580"/>
-            <a:ext cx="10023682" cy="4340839"/>
+            <a:off x="2110408" y="1566693"/>
+            <a:ext cx="7971184" cy="1584011"/>
           </a:xfrm>
         </p:spPr>
         <p:txBody>
@@ -8352,109 +7968,84 @@
             <a:pPr marL="0" indent="0">
               <a:buNone/>
             </a:pPr>
-            <a:endParaRPr lang="en-US" dirty="0"/>
-          </a:p>
-          <a:p>
             <a:r>
               <a:rPr lang="en-US" dirty="0"/>
-              <a:t>BSc </a:t>
-            </a:r>
-            <a:r>
-              <a:rPr lang="en-US" dirty="0" err="1"/>
-              <a:t>Elektrotechniek</a:t>
-            </a:r>
-            <a:r>
-              <a:rPr lang="en-US" dirty="0"/>
-              <a:t>, </a:t>
-            </a:r>
-            <a:r>
-              <a:rPr lang="en-US" dirty="0" err="1"/>
-              <a:t>Informatietechniek</a:t>
-            </a:r>
-            <a:endParaRPr lang="en-US" dirty="0"/>
-          </a:p>
-          <a:p>
-            <a:r>
-              <a:rPr lang="en-US" dirty="0"/>
-              <a:t>MSc Computer Science, Specialized in IT Managers</a:t>
+              <a:t>Sets ensure that each element is unique. </a:t>
             </a:r>
             <a:br>
               <a:rPr lang="en-US" dirty="0"/>
             </a:br>
-            <a:endParaRPr lang="en-US" dirty="0"/>
+            <a:r>
+              <a:rPr lang="en-US" b="1" dirty="0"/>
+              <a:t>Duplicates are automatically ignored upon insertion.</a:t>
+            </a:r>
           </a:p>
           <a:p>
             <a:pPr marL="0" indent="0">
               <a:buNone/>
             </a:pPr>
             <a:r>
-              <a:rPr lang="en-US" dirty="0" err="1"/>
-              <a:t>Werkzaam</a:t>
-            </a:r>
-            <a:r>
               <a:rPr lang="en-US" dirty="0"/>
-              <a:t>:</a:t>
-            </a:r>
-          </a:p>
-          <a:p>
+              <a:t>This property makes sets ideal for tasks where uniqueness </a:t>
+            </a:r>
+            <a:r>
+              <a:rPr lang="en-US" b="1" dirty="0"/>
+              <a:t>is crucial</a:t>
+            </a:r>
             <a:r>
               <a:rPr lang="en-US" dirty="0"/>
-              <a:t>Senior Software Engineer @ Ford Motor Company</a:t>
-            </a:r>
-            <a:br>
-              <a:rPr lang="en-US" dirty="0"/>
-            </a:br>
-            <a:r>
-              <a:rPr lang="en-US" dirty="0"/>
-              <a:t>(Focus: AI, ML, Web Development).</a:t>
-            </a:r>
-          </a:p>
-          <a:p>
-            <a:r>
-              <a:rPr lang="en-US" dirty="0"/>
-              <a:t>AI Engineer @ Merck (</a:t>
-            </a:r>
-            <a:r>
-              <a:rPr lang="en-US" dirty="0" err="1"/>
-              <a:t>Farmaceutische</a:t>
-            </a:r>
-            <a:r>
-              <a:rPr lang="en-US" dirty="0"/>
-              <a:t> </a:t>
-            </a:r>
-            <a:r>
-              <a:rPr lang="en-US" dirty="0" err="1"/>
-              <a:t>bedrijf</a:t>
-            </a:r>
-            <a:r>
-              <a:rPr lang="en-US" dirty="0"/>
-              <a:t>)</a:t>
-            </a:r>
-            <a:br>
-              <a:rPr lang="en-US" dirty="0"/>
-            </a:br>
-            <a:r>
-              <a:rPr lang="en-US" dirty="0"/>
-              <a:t>(Focus: LLM).</a:t>
-            </a:r>
-          </a:p>
-          <a:p>
-            <a:pPr marL="0" indent="0">
-              <a:buNone/>
-            </a:pPr>
-            <a:endParaRPr lang="en-US" dirty="0"/>
-          </a:p>
-          <a:p>
-            <a:pPr marL="0" indent="0">
-              <a:buNone/>
-            </a:pPr>
-            <a:br>
-              <a:rPr lang="en-US" dirty="0"/>
-            </a:br>
-            <a:endParaRPr lang="en-US" dirty="0"/>
-          </a:p>
-        </p:txBody>
-      </p:sp>
+              <a:t>, such as maintaining unique identifiers or eliminating duplicate entries.</a:t>
+            </a:r>
+          </a:p>
+        </p:txBody>
+      </p:sp>
+      <p:pic>
+        <p:nvPicPr>
+          <p:cNvPr id="1026" name="Picture 2" descr="Set in C++ - Scaler Topics">
+            <a:extLst>
+              <a:ext uri="{FF2B5EF4-FFF2-40B4-BE49-F238E27FC236}">
+                <a16:creationId xmlns:a16="http://schemas.microsoft.com/office/drawing/2014/main" id="{942A1A35-008A-325B-C0E4-0B0532A4FEB1}"/>
+              </a:ext>
+            </a:extLst>
+          </p:cNvPr>
+          <p:cNvPicPr>
+            <a:picLocks noChangeAspect="1" noChangeArrowheads="1"/>
+          </p:cNvPicPr>
+          <p:nvPr/>
+        </p:nvPicPr>
+        <p:blipFill>
+          <a:blip r:embed="rId2">
+            <a:extLst>
+              <a:ext uri="{28A0092B-C50C-407E-A947-70E740481C1C}">
+                <a14:useLocalDpi xmlns:a14="http://schemas.microsoft.com/office/drawing/2010/main" val="0"/>
+              </a:ext>
+            </a:extLst>
+          </a:blip>
+          <a:srcRect/>
+          <a:stretch>
+            <a:fillRect/>
+          </a:stretch>
+        </p:blipFill>
+        <p:spPr bwMode="auto">
+          <a:xfrm>
+            <a:off x="1481104" y="3863708"/>
+            <a:ext cx="10081592" cy="2072765"/>
+          </a:xfrm>
+          <a:prstGeom prst="rect">
+            <a:avLst/>
+          </a:prstGeom>
+          <a:noFill/>
+          <a:extLst>
+            <a:ext uri="{909E8E84-426E-40DD-AFC4-6F175D3DCCD1}">
+              <a14:hiddenFill xmlns:a14="http://schemas.microsoft.com/office/drawing/2010/main">
+                <a:solidFill>
+                  <a:srgbClr val="FFFFFF"/>
+                </a:solidFill>
+              </a14:hiddenFill>
+            </a:ext>
+          </a:extLst>
+        </p:spPr>
+      </p:pic>
     </p:spTree>
     <p:extLst>
       <p:ext uri="{BB962C8B-B14F-4D97-AF65-F5344CB8AC3E}">
@@ -8503,8 +8094,8 @@
         </p:nvSpPr>
         <p:spPr>
           <a:xfrm>
-            <a:off x="4182717" y="420004"/>
-            <a:ext cx="3826565" cy="759440"/>
+            <a:off x="3864664" y="420004"/>
+            <a:ext cx="4871831" cy="759440"/>
           </a:xfrm>
         </p:spPr>
         <p:txBody>
@@ -8514,10 +8105,9 @@
           <a:lstStyle/>
           <a:p>
             <a:r>
-              <a:rPr lang="en-US" dirty="0" err="1"/>
-              <a:t>Kennismaking</a:t>
-            </a:r>
-            <a:endParaRPr lang="en-US" dirty="0"/>
+              <a:rPr lang="en-US" dirty="0"/>
+              <a:t>Binary Tree</a:t>
+            </a:r>
           </a:p>
         </p:txBody>
       </p:sp>
@@ -8539,8 +8129,8 @@
         </p:nvSpPr>
         <p:spPr>
           <a:xfrm>
-            <a:off x="2937933" y="1258580"/>
-            <a:ext cx="5220135" cy="4340839"/>
+            <a:off x="2889432" y="1546815"/>
+            <a:ext cx="6822293" cy="1633708"/>
           </a:xfrm>
         </p:spPr>
         <p:txBody>
@@ -8552,44 +8142,68 @@
             <a:pPr marL="0" indent="0">
               <a:buNone/>
             </a:pPr>
-            <a:endParaRPr lang="en-US" dirty="0"/>
-          </a:p>
-          <a:p>
             <a:r>
               <a:rPr lang="en-US" dirty="0"/>
-              <a:t>Naam</a:t>
-            </a:r>
-          </a:p>
-          <a:p>
-            <a:r>
-              <a:rPr lang="en-US" dirty="0" err="1"/>
-              <a:t>Achtergrond</a:t>
+              <a:t>As a result, elements in a set are always stored in a </a:t>
+            </a:r>
+            <a:r>
+              <a:rPr lang="en-US" b="1" dirty="0"/>
+              <a:t>sorted order</a:t>
             </a:r>
             <a:r>
               <a:rPr lang="en-US" dirty="0"/>
-              <a:t> </a:t>
-            </a:r>
-          </a:p>
-          <a:p>
-            <a:r>
-              <a:rPr lang="en-US" dirty="0" err="1"/>
-              <a:t>Ervaring</a:t>
-            </a:r>
-            <a:r>
-              <a:rPr lang="en-US" dirty="0"/>
-              <a:t> met </a:t>
-            </a:r>
-            <a:r>
-              <a:rPr lang="en-US" dirty="0" err="1"/>
-              <a:t>programmeren</a:t>
-            </a:r>
-            <a:r>
-              <a:rPr lang="en-US" dirty="0"/>
-              <a:t>?</a:t>
-            </a:r>
-          </a:p>
-        </p:txBody>
-      </p:sp>
+              <a:t>, which allows for efficient searching, insertion, and deletion operations.</a:t>
+            </a:r>
+          </a:p>
+        </p:txBody>
+      </p:sp>
+      <p:pic>
+        <p:nvPicPr>
+          <p:cNvPr id="2054" name="Picture 6" descr="Learn and train yourself the C++ STL container classes with ample practice  of the real C++ source codes">
+            <a:extLst>
+              <a:ext uri="{FF2B5EF4-FFF2-40B4-BE49-F238E27FC236}">
+                <a16:creationId xmlns:a16="http://schemas.microsoft.com/office/drawing/2014/main" id="{78798F34-B306-E6EC-C0FA-4838083569E9}"/>
+              </a:ext>
+            </a:extLst>
+          </p:cNvPr>
+          <p:cNvPicPr>
+            <a:picLocks noChangeAspect="1" noChangeArrowheads="1"/>
+          </p:cNvPicPr>
+          <p:nvPr/>
+        </p:nvPicPr>
+        <p:blipFill>
+          <a:blip r:embed="rId2">
+            <a:extLst>
+              <a:ext uri="{28A0092B-C50C-407E-A947-70E740481C1C}">
+                <a14:useLocalDpi xmlns:a14="http://schemas.microsoft.com/office/drawing/2010/main" val="0"/>
+              </a:ext>
+            </a:extLst>
+          </a:blip>
+          <a:srcRect/>
+          <a:stretch>
+            <a:fillRect/>
+          </a:stretch>
+        </p:blipFill>
+        <p:spPr bwMode="auto">
+          <a:xfrm>
+            <a:off x="3135896" y="3037885"/>
+            <a:ext cx="4356100" cy="2273300"/>
+          </a:xfrm>
+          <a:prstGeom prst="rect">
+            <a:avLst/>
+          </a:prstGeom>
+          <a:noFill/>
+          <a:extLst>
+            <a:ext uri="{909E8E84-426E-40DD-AFC4-6F175D3DCCD1}">
+              <a14:hiddenFill xmlns:a14="http://schemas.microsoft.com/office/drawing/2010/main">
+                <a:solidFill>
+                  <a:srgbClr val="FFFFFF"/>
+                </a:solidFill>
+              </a14:hiddenFill>
+            </a:ext>
+          </a:extLst>
+        </p:spPr>
+      </p:pic>
     </p:spTree>
     <p:extLst>
       <p:ext uri="{BB962C8B-B14F-4D97-AF65-F5344CB8AC3E}">
@@ -8625,7 +8239,7 @@
           <p:cNvPr id="2" name="Title 1">
             <a:extLst>
               <a:ext uri="{FF2B5EF4-FFF2-40B4-BE49-F238E27FC236}">
-                <a16:creationId xmlns:a16="http://schemas.microsoft.com/office/drawing/2014/main" id="{4E76A4F7-29E9-3A83-AC69-0A620428BD92}"/>
+                <a16:creationId xmlns:a16="http://schemas.microsoft.com/office/drawing/2014/main" id="{48CF8284-989D-D9F9-29F9-1C7A7AE01D31}"/>
               </a:ext>
             </a:extLst>
           </p:cNvPr>
@@ -8636,82 +8250,185 @@
             <p:ph type="title"/>
           </p:nvPr>
         </p:nvSpPr>
-        <p:spPr/>
-        <p:txBody>
-          <a:bodyPr/>
+        <p:spPr>
+          <a:xfrm>
+            <a:off x="3864664" y="420004"/>
+            <a:ext cx="4871831" cy="759440"/>
+          </a:xfrm>
+        </p:spPr>
+        <p:txBody>
+          <a:bodyPr>
+            <a:normAutofit/>
+          </a:bodyPr>
           <a:lstStyle/>
           <a:p>
             <a:r>
               <a:rPr lang="en-US" dirty="0"/>
-              <a:t>Grading - </a:t>
-            </a:r>
-            <a:r>
-              <a:rPr lang="en-US" dirty="0" err="1"/>
-              <a:t>Tentamen</a:t>
-            </a:r>
-            <a:r>
-              <a:rPr lang="en-US" dirty="0"/>
-              <a:t> Model</a:t>
-            </a:r>
-          </a:p>
-        </p:txBody>
-      </p:sp>
-      <p:sp>
-        <p:nvSpPr>
-          <p:cNvPr id="3" name="Content Placeholder 2">
+              <a:t>Red Black Tree</a:t>
+            </a:r>
+          </a:p>
+        </p:txBody>
+      </p:sp>
+      <p:pic>
+        <p:nvPicPr>
+          <p:cNvPr id="4098" name="Picture 2" descr="Red Black Tree (Data Structures) - javatpoint">
             <a:extLst>
               <a:ext uri="{FF2B5EF4-FFF2-40B4-BE49-F238E27FC236}">
-                <a16:creationId xmlns:a16="http://schemas.microsoft.com/office/drawing/2014/main" id="{9156591A-9AC6-DA73-A31B-65E8E55638C5}"/>
+                <a16:creationId xmlns:a16="http://schemas.microsoft.com/office/drawing/2014/main" id="{D2EEE863-B16F-89A8-1B43-F586C601EC55}"/>
               </a:ext>
             </a:extLst>
           </p:cNvPr>
-          <p:cNvSpPr>
-            <a:spLocks noGrp="1"/>
-          </p:cNvSpPr>
-          <p:nvPr>
-            <p:ph idx="1"/>
-          </p:nvPr>
-        </p:nvSpPr>
-        <p:spPr/>
-        <p:txBody>
-          <a:bodyPr/>
+          <p:cNvPicPr>
+            <a:picLocks noChangeAspect="1" noChangeArrowheads="1"/>
+          </p:cNvPicPr>
+          <p:nvPr/>
+        </p:nvPicPr>
+        <p:blipFill>
+          <a:blip r:embed="rId2">
+            <a:extLst>
+              <a:ext uri="{28A0092B-C50C-407E-A947-70E740481C1C}">
+                <a14:useLocalDpi xmlns:a14="http://schemas.microsoft.com/office/drawing/2010/main" val="0"/>
+              </a:ext>
+            </a:extLst>
+          </a:blip>
+          <a:srcRect/>
+          <a:stretch>
+            <a:fillRect/>
+          </a:stretch>
+        </p:blipFill>
+        <p:spPr bwMode="auto">
+          <a:xfrm>
+            <a:off x="6300579" y="2238419"/>
+            <a:ext cx="5715000" cy="4292600"/>
+          </a:xfrm>
+          <a:prstGeom prst="rect">
+            <a:avLst/>
+          </a:prstGeom>
+          <a:noFill/>
+          <a:extLst>
+            <a:ext uri="{909E8E84-426E-40DD-AFC4-6F175D3DCCD1}">
+              <a14:hiddenFill xmlns:a14="http://schemas.microsoft.com/office/drawing/2010/main">
+                <a:solidFill>
+                  <a:srgbClr val="FFFFFF"/>
+                </a:solidFill>
+              </a14:hiddenFill>
+            </a:ext>
+          </a:extLst>
+        </p:spPr>
+      </p:pic>
+      <p:sp>
+        <p:nvSpPr>
+          <p:cNvPr id="4" name="TextBox 3">
+            <a:extLst>
+              <a:ext uri="{FF2B5EF4-FFF2-40B4-BE49-F238E27FC236}">
+                <a16:creationId xmlns:a16="http://schemas.microsoft.com/office/drawing/2014/main" id="{194606EE-6AC6-1B3A-D397-D7FA5345597D}"/>
+              </a:ext>
+            </a:extLst>
+          </p:cNvPr>
+          <p:cNvSpPr txBox="1"/>
+          <p:nvPr/>
+        </p:nvSpPr>
+        <p:spPr>
+          <a:xfrm>
+            <a:off x="8049126" y="1852863"/>
+            <a:ext cx="2335896" cy="369332"/>
+          </a:xfrm>
+          <a:prstGeom prst="rect">
+            <a:avLst/>
+          </a:prstGeom>
+          <a:noFill/>
+        </p:spPr>
+        <p:txBody>
+          <a:bodyPr wrap="none" rtlCol="0">
+            <a:spAutoFit/>
+          </a:bodyPr>
           <a:lstStyle/>
           <a:p>
             <a:r>
-              <a:rPr lang="en-US" dirty="0" err="1"/>
-              <a:t>Deel</a:t>
-            </a:r>
-            <a:r>
               <a:rPr lang="en-US" dirty="0"/>
-              <a:t> </a:t>
-            </a:r>
-            <a:r>
-              <a:rPr lang="en-US" dirty="0" err="1"/>
-              <a:t>Tentamen</a:t>
-            </a:r>
+              <a:t>[10,7,15,5,8,30,20,3]</a:t>
+            </a:r>
+          </a:p>
+        </p:txBody>
+      </p:sp>
+      <p:pic>
+        <p:nvPicPr>
+          <p:cNvPr id="4100" name="Picture 4" descr="Red Black Tree (Data Structures) - javatpoint">
+            <a:extLst>
+              <a:ext uri="{FF2B5EF4-FFF2-40B4-BE49-F238E27FC236}">
+                <a16:creationId xmlns:a16="http://schemas.microsoft.com/office/drawing/2014/main" id="{6415644C-6A88-8709-D72E-644EF73BDC3A}"/>
+              </a:ext>
+            </a:extLst>
+          </p:cNvPr>
+          <p:cNvPicPr>
+            <a:picLocks noChangeAspect="1" noChangeArrowheads="1"/>
+          </p:cNvPicPr>
+          <p:nvPr/>
+        </p:nvPicPr>
+        <p:blipFill>
+          <a:blip r:embed="rId3">
+            <a:extLst>
+              <a:ext uri="{28A0092B-C50C-407E-A947-70E740481C1C}">
+                <a14:useLocalDpi xmlns:a14="http://schemas.microsoft.com/office/drawing/2010/main" val="0"/>
+              </a:ext>
+            </a:extLst>
+          </a:blip>
+          <a:srcRect/>
+          <a:stretch>
+            <a:fillRect/>
+          </a:stretch>
+        </p:blipFill>
+        <p:spPr bwMode="auto">
+          <a:xfrm>
+            <a:off x="935802" y="2097382"/>
+            <a:ext cx="4177471" cy="4433637"/>
+          </a:xfrm>
+          <a:prstGeom prst="rect">
+            <a:avLst/>
+          </a:prstGeom>
+          <a:noFill/>
+          <a:extLst>
+            <a:ext uri="{909E8E84-426E-40DD-AFC4-6F175D3DCCD1}">
+              <a14:hiddenFill xmlns:a14="http://schemas.microsoft.com/office/drawing/2010/main">
+                <a:solidFill>
+                  <a:srgbClr val="FFFFFF"/>
+                </a:solidFill>
+              </a14:hiddenFill>
+            </a:ext>
+          </a:extLst>
+        </p:spPr>
+      </p:pic>
+      <p:sp>
+        <p:nvSpPr>
+          <p:cNvPr id="5" name="TextBox 4">
+            <a:extLst>
+              <a:ext uri="{FF2B5EF4-FFF2-40B4-BE49-F238E27FC236}">
+                <a16:creationId xmlns:a16="http://schemas.microsoft.com/office/drawing/2014/main" id="{A75EB35E-CA6D-9081-5F1C-AE9C544125F5}"/>
+              </a:ext>
+            </a:extLst>
+          </p:cNvPr>
+          <p:cNvSpPr txBox="1"/>
+          <p:nvPr/>
+        </p:nvSpPr>
+        <p:spPr>
+          <a:xfrm>
+            <a:off x="3024538" y="2266674"/>
+            <a:ext cx="2079415" cy="369332"/>
+          </a:xfrm>
+          <a:prstGeom prst="rect">
+            <a:avLst/>
+          </a:prstGeom>
+          <a:noFill/>
+        </p:spPr>
+        <p:txBody>
+          <a:bodyPr wrap="none" rtlCol="0">
+            <a:spAutoFit/>
+          </a:bodyPr>
+          <a:lstStyle/>
+          <a:p>
             <a:r>
               <a:rPr lang="en-US" dirty="0"/>
-              <a:t>(10%) + </a:t>
-            </a:r>
-            <a:r>
-              <a:rPr lang="en-US" dirty="0" err="1"/>
-              <a:t>Tentamen</a:t>
-            </a:r>
-            <a:r>
-              <a:rPr lang="en-US" dirty="0"/>
-              <a:t> (30%) + Project (40%)</a:t>
-            </a:r>
-          </a:p>
-          <a:p>
-            <a:r>
-              <a:rPr lang="en-US" dirty="0"/>
-              <a:t>Assignments (10%)</a:t>
-            </a:r>
-          </a:p>
-          <a:p>
-            <a:r>
-              <a:rPr lang="en-US" dirty="0"/>
-              <a:t>Class Participation (10%)</a:t>
+              <a:t>[10,7,16,15,18,30]</a:t>
             </a:r>
           </a:p>
         </p:txBody>
@@ -8719,7 +8436,7 @@
     </p:spTree>
     <p:extLst>
       <p:ext uri="{BB962C8B-B14F-4D97-AF65-F5344CB8AC3E}">
-        <p14:creationId xmlns:p14="http://schemas.microsoft.com/office/powerpoint/2010/main" val="752094082"/>
+        <p14:creationId xmlns:p14="http://schemas.microsoft.com/office/powerpoint/2010/main" val="2471257176"/>
       </p:ext>
     </p:extLst>
   </p:cSld>
@@ -8751,7 +8468,7 @@
           <p:cNvPr id="2" name="Title 1">
             <a:extLst>
               <a:ext uri="{FF2B5EF4-FFF2-40B4-BE49-F238E27FC236}">
-                <a16:creationId xmlns:a16="http://schemas.microsoft.com/office/drawing/2014/main" id="{E3B7F971-0CAB-6502-D392-EE872561F03C}"/>
+                <a16:creationId xmlns:a16="http://schemas.microsoft.com/office/drawing/2014/main" id="{4E76A4F7-29E9-3A83-AC69-0A620428BD92}"/>
               </a:ext>
             </a:extLst>
           </p:cNvPr>
@@ -8764,82 +8481,58 @@
         </p:nvSpPr>
         <p:spPr>
           <a:xfrm>
-            <a:off x="3846146" y="445481"/>
-            <a:ext cx="4499708" cy="1280890"/>
+            <a:off x="3536080" y="604232"/>
+            <a:ext cx="5119840" cy="936333"/>
           </a:xfrm>
         </p:spPr>
         <p:txBody>
-          <a:bodyPr>
-            <a:normAutofit/>
-          </a:bodyPr>
+          <a:bodyPr/>
           <a:lstStyle/>
           <a:p>
-            <a:pPr fontAlgn="base"/>
-            <a:r>
-              <a:rPr lang="en-US" b="1" i="0" dirty="0">
-                <a:solidFill>
-                  <a:srgbClr val="222222"/>
-                </a:solidFill>
-                <a:effectLst/>
-                <a:latin typeface="lato" panose="020F0502020204030203" pitchFamily="34" charset="0"/>
-              </a:rPr>
-              <a:t>Fundamentals C++</a:t>
-            </a:r>
-            <a:endParaRPr lang="en-US" dirty="0"/>
-          </a:p>
-        </p:txBody>
-      </p:sp>
-      <p:pic>
-        <p:nvPicPr>
-          <p:cNvPr id="3" name="Picture 2" descr="Magazine: A Detailed Look: Cockpit &amp; External Cameras">
+            <a:r>
+              <a:rPr lang="en-US" dirty="0"/>
+              <a:t>Insertion and Deletion</a:t>
+            </a:r>
+          </a:p>
+        </p:txBody>
+      </p:sp>
+      <p:sp>
+        <p:nvSpPr>
+          <p:cNvPr id="3" name="Content Placeholder 2">
             <a:extLst>
               <a:ext uri="{FF2B5EF4-FFF2-40B4-BE49-F238E27FC236}">
-                <a16:creationId xmlns:a16="http://schemas.microsoft.com/office/drawing/2014/main" id="{B5AB8360-16ED-1BB5-9C2F-5E47889F114D}"/>
+                <a16:creationId xmlns:a16="http://schemas.microsoft.com/office/drawing/2014/main" id="{9156591A-9AC6-DA73-A31B-65E8E55638C5}"/>
               </a:ext>
             </a:extLst>
           </p:cNvPr>
-          <p:cNvPicPr>
-            <a:picLocks noChangeAspect="1" noChangeArrowheads="1"/>
-          </p:cNvPicPr>
-          <p:nvPr/>
-        </p:nvPicPr>
-        <p:blipFill>
-          <a:blip r:embed="rId2">
-            <a:extLst>
-              <a:ext uri="{28A0092B-C50C-407E-A947-70E740481C1C}">
-                <a14:useLocalDpi xmlns:a14="http://schemas.microsoft.com/office/drawing/2010/main" val="0"/>
-              </a:ext>
-            </a:extLst>
-          </a:blip>
-          <a:srcRect/>
-          <a:stretch>
-            <a:fillRect/>
-          </a:stretch>
-        </p:blipFill>
-        <p:spPr bwMode="auto">
+          <p:cNvSpPr>
+            <a:spLocks noGrp="1"/>
+          </p:cNvSpPr>
+          <p:nvPr>
+            <p:ph idx="1"/>
+          </p:nvPr>
+        </p:nvSpPr>
+        <p:spPr>
           <a:xfrm>
-            <a:off x="2634342" y="1336503"/>
-            <a:ext cx="6923315" cy="4597098"/>
-          </a:xfrm>
-          <a:prstGeom prst="rect">
-            <a:avLst/>
-          </a:prstGeom>
-          <a:noFill/>
-          <a:extLst>
-            <a:ext uri="{909E8E84-426E-40DD-AFC4-6F175D3DCCD1}">
-              <a14:hiddenFill xmlns:a14="http://schemas.microsoft.com/office/drawing/2010/main">
-                <a:solidFill>
-                  <a:srgbClr val="FFFFFF"/>
-                </a:solidFill>
-              </a14:hiddenFill>
-            </a:ext>
-          </a:extLst>
+            <a:off x="1823899" y="1905000"/>
+            <a:ext cx="8915400" cy="3777622"/>
+          </a:xfrm>
         </p:spPr>
-      </p:pic>
+        <p:txBody>
+          <a:bodyPr/>
+          <a:lstStyle/>
+          <a:p>
+            <a:r>
+              <a:rPr lang="en-US" dirty="0"/>
+              <a:t>Elements can be easily inserted into and removed from a set using member functions like insert() and erase().</a:t>
+            </a:r>
+          </a:p>
+        </p:txBody>
+      </p:sp>
     </p:spTree>
     <p:extLst>
       <p:ext uri="{BB962C8B-B14F-4D97-AF65-F5344CB8AC3E}">
-        <p14:creationId xmlns:p14="http://schemas.microsoft.com/office/powerpoint/2010/main" val="165763250"/>
+        <p14:creationId xmlns:p14="http://schemas.microsoft.com/office/powerpoint/2010/main" val="752094082"/>
       </p:ext>
     </p:extLst>
   </p:cSld>
@@ -8871,7 +8564,7 @@
           <p:cNvPr id="2" name="Title 1">
             <a:extLst>
               <a:ext uri="{FF2B5EF4-FFF2-40B4-BE49-F238E27FC236}">
-                <a16:creationId xmlns:a16="http://schemas.microsoft.com/office/drawing/2014/main" id="{E3B7F971-0CAB-6502-D392-EE872561F03C}"/>
+                <a16:creationId xmlns:a16="http://schemas.microsoft.com/office/drawing/2014/main" id="{4E76A4F7-29E9-3A83-AC69-0A620428BD92}"/>
               </a:ext>
             </a:extLst>
           </p:cNvPr>
@@ -8884,161 +8577,61 @@
         </p:nvSpPr>
         <p:spPr>
           <a:xfrm>
-            <a:off x="3846146" y="445481"/>
-            <a:ext cx="4499708" cy="1280890"/>
+            <a:off x="3536080" y="604232"/>
+            <a:ext cx="5119840" cy="936333"/>
           </a:xfrm>
         </p:spPr>
         <p:txBody>
-          <a:bodyPr>
-            <a:normAutofit/>
-          </a:bodyPr>
+          <a:bodyPr/>
           <a:lstStyle/>
           <a:p>
-            <a:pPr fontAlgn="base"/>
-            <a:r>
-              <a:rPr lang="en-US" b="1" i="0" dirty="0">
-                <a:solidFill>
-                  <a:srgbClr val="222222"/>
-                </a:solidFill>
-                <a:effectLst/>
-                <a:latin typeface="lato" panose="020F0502020204030203" pitchFamily="34" charset="0"/>
-              </a:rPr>
-              <a:t>Fundamentals C++</a:t>
-            </a:r>
-            <a:endParaRPr lang="en-US" dirty="0"/>
-          </a:p>
-        </p:txBody>
-      </p:sp>
-      <p:pic>
-        <p:nvPicPr>
-          <p:cNvPr id="5" name="Picture 4" descr="A black background with yellow text&#10;&#10;Description automatically generated">
+            <a:r>
+              <a:rPr lang="en-US" dirty="0"/>
+              <a:t>Iterator Support</a:t>
+            </a:r>
+          </a:p>
+        </p:txBody>
+      </p:sp>
+      <p:sp>
+        <p:nvSpPr>
+          <p:cNvPr id="3" name="Content Placeholder 2">
             <a:extLst>
               <a:ext uri="{FF2B5EF4-FFF2-40B4-BE49-F238E27FC236}">
-                <a16:creationId xmlns:a16="http://schemas.microsoft.com/office/drawing/2014/main" id="{21ADC01E-7131-503C-7F81-D13CA506CB09}"/>
+                <a16:creationId xmlns:a16="http://schemas.microsoft.com/office/drawing/2014/main" id="{9156591A-9AC6-DA73-A31B-65E8E55638C5}"/>
               </a:ext>
             </a:extLst>
           </p:cNvPr>
-          <p:cNvPicPr>
-            <a:picLocks noChangeAspect="1"/>
-          </p:cNvPicPr>
-          <p:nvPr/>
-        </p:nvPicPr>
-        <p:blipFill>
-          <a:blip r:embed="rId2"/>
-          <a:stretch>
-            <a:fillRect/>
-          </a:stretch>
-        </p:blipFill>
+          <p:cNvSpPr>
+            <a:spLocks noGrp="1"/>
+          </p:cNvSpPr>
+          <p:nvPr>
+            <p:ph idx="1"/>
+          </p:nvPr>
+        </p:nvSpPr>
         <p:spPr>
           <a:xfrm>
-            <a:off x="2884854" y="2112210"/>
-            <a:ext cx="5003800" cy="2633579"/>
-          </a:xfrm>
-          <a:prstGeom prst="rect">
-            <a:avLst/>
-          </a:prstGeom>
+            <a:off x="1823899" y="1905000"/>
+            <a:ext cx="8915400" cy="3777622"/>
+          </a:xfrm>
         </p:spPr>
-      </p:pic>
-      <p:sp>
-        <p:nvSpPr>
-          <p:cNvPr id="6" name="TextBox 5">
-            <a:extLst>
-              <a:ext uri="{FF2B5EF4-FFF2-40B4-BE49-F238E27FC236}">
-                <a16:creationId xmlns:a16="http://schemas.microsoft.com/office/drawing/2014/main" id="{E91E82F7-2DC6-957B-88BA-16B6CBF859A0}"/>
-              </a:ext>
-            </a:extLst>
-          </p:cNvPr>
-          <p:cNvSpPr txBox="1"/>
-          <p:nvPr/>
-        </p:nvSpPr>
-        <p:spPr>
-          <a:xfrm>
-            <a:off x="8218715" y="2112210"/>
-            <a:ext cx="3450772" cy="1200329"/>
-          </a:xfrm>
-          <a:prstGeom prst="rect">
-            <a:avLst/>
-          </a:prstGeom>
-          <a:noFill/>
-        </p:spPr>
-        <p:txBody>
-          <a:bodyPr wrap="square" rtlCol="0">
-            <a:spAutoFit/>
-          </a:bodyPr>
+        <p:txBody>
+          <a:bodyPr/>
           <a:lstStyle/>
           <a:p>
-            <a:pPr marL="285750" indent="-285750">
-              <a:buFontTx/>
-              <a:buChar char="-"/>
+            <a:pPr marL="0" indent="0">
+              <a:buNone/>
             </a:pPr>
             <a:r>
-              <a:rPr lang="en-US" b="1" dirty="0"/>
-              <a:t>Entry Point</a:t>
-            </a:r>
-          </a:p>
-          <a:p>
-            <a:pPr marL="285750" indent="-285750">
-              <a:buFontTx/>
-              <a:buChar char="-"/>
-            </a:pPr>
-            <a:r>
-              <a:rPr lang="en-US" b="1" dirty="0"/>
-              <a:t>Case sensitive</a:t>
-            </a:r>
-          </a:p>
-          <a:p>
-            <a:pPr marL="285750" indent="-285750">
-              <a:buFontTx/>
-              <a:buChar char="-"/>
-            </a:pPr>
-            <a:r>
-              <a:rPr lang="en-US" b="1" dirty="0"/>
-              <a:t>Structure int {”   ”} main</a:t>
-            </a:r>
-          </a:p>
-          <a:p>
-            <a:pPr marL="285750" indent="-285750">
-              <a:buFontTx/>
-              <a:buChar char="-"/>
-            </a:pPr>
-            <a:endParaRPr lang="en-US" b="1" dirty="0"/>
-          </a:p>
-        </p:txBody>
-      </p:sp>
-      <p:pic>
-        <p:nvPicPr>
-          <p:cNvPr id="10" name="Picture 9" descr="A screen shot of a computer&#10;&#10;Description automatically generated">
-            <a:extLst>
-              <a:ext uri="{FF2B5EF4-FFF2-40B4-BE49-F238E27FC236}">
-                <a16:creationId xmlns:a16="http://schemas.microsoft.com/office/drawing/2014/main" id="{434BFCAA-F73E-442A-7810-C4972DED7769}"/>
-              </a:ext>
-            </a:extLst>
-          </p:cNvPr>
-          <p:cNvPicPr>
-            <a:picLocks noChangeAspect="1"/>
-          </p:cNvPicPr>
-          <p:nvPr/>
-        </p:nvPicPr>
-        <p:blipFill>
-          <a:blip r:embed="rId3"/>
-          <a:stretch>
-            <a:fillRect/>
-          </a:stretch>
-        </p:blipFill>
-        <p:spPr>
-          <a:xfrm>
-            <a:off x="2884854" y="4935765"/>
-            <a:ext cx="6117632" cy="1515168"/>
-          </a:xfrm>
-          <a:prstGeom prst="rect">
-            <a:avLst/>
-          </a:prstGeom>
-        </p:spPr>
-      </p:pic>
+              <a:rPr lang="en-US" dirty="0"/>
+              <a:t>Iterators provide flexibility in accessing, modifying, or iterating through the elements of a set.</a:t>
+            </a:r>
+          </a:p>
+        </p:txBody>
+      </p:sp>
     </p:spTree>
     <p:extLst>
       <p:ext uri="{BB962C8B-B14F-4D97-AF65-F5344CB8AC3E}">
-        <p14:creationId xmlns:p14="http://schemas.microsoft.com/office/powerpoint/2010/main" val="849671540"/>
+        <p14:creationId xmlns:p14="http://schemas.microsoft.com/office/powerpoint/2010/main" val="4292211292"/>
       </p:ext>
     </p:extLst>
   </p:cSld>
@@ -9070,7 +8663,7 @@
           <p:cNvPr id="2" name="Title 1">
             <a:extLst>
               <a:ext uri="{FF2B5EF4-FFF2-40B4-BE49-F238E27FC236}">
-                <a16:creationId xmlns:a16="http://schemas.microsoft.com/office/drawing/2014/main" id="{E3B7F971-0CAB-6502-D392-EE872561F03C}"/>
+                <a16:creationId xmlns:a16="http://schemas.microsoft.com/office/drawing/2014/main" id="{4E76A4F7-29E9-3A83-AC69-0A620428BD92}"/>
               </a:ext>
             </a:extLst>
           </p:cNvPr>
@@ -9083,82 +8676,116 @@
         </p:nvSpPr>
         <p:spPr>
           <a:xfrm>
-            <a:off x="3846146" y="445481"/>
-            <a:ext cx="4499708" cy="1280890"/>
+            <a:off x="4848045" y="514780"/>
+            <a:ext cx="1940381" cy="936333"/>
           </a:xfrm>
         </p:spPr>
         <p:txBody>
-          <a:bodyPr>
-            <a:normAutofit/>
-          </a:bodyPr>
+          <a:bodyPr/>
           <a:lstStyle/>
           <a:p>
-            <a:pPr fontAlgn="base"/>
-            <a:r>
-              <a:rPr lang="en-US" b="1" i="0" dirty="0">
-                <a:solidFill>
-                  <a:srgbClr val="222222"/>
-                </a:solidFill>
-                <a:effectLst/>
-                <a:latin typeface="lato" panose="020F0502020204030203" pitchFamily="34" charset="0"/>
-              </a:rPr>
-              <a:t>Fundamentals C++</a:t>
-            </a:r>
-            <a:endParaRPr lang="en-US" dirty="0"/>
-          </a:p>
-        </p:txBody>
-      </p:sp>
-      <p:pic>
-        <p:nvPicPr>
-          <p:cNvPr id="3074" name="Picture 2" descr="What is a compiler? Compiler Source code (e.g. C++) Target code - ppt  download">
+            <a:r>
+              <a:rPr lang="en-US" dirty="0"/>
+              <a:t>Iterator</a:t>
+            </a:r>
+          </a:p>
+        </p:txBody>
+      </p:sp>
+      <p:sp>
+        <p:nvSpPr>
+          <p:cNvPr id="3" name="Content Placeholder 2">
             <a:extLst>
               <a:ext uri="{FF2B5EF4-FFF2-40B4-BE49-F238E27FC236}">
-                <a16:creationId xmlns:a16="http://schemas.microsoft.com/office/drawing/2014/main" id="{BDC1613D-9A1E-7E17-2741-1034A4AD2BB1}"/>
+                <a16:creationId xmlns:a16="http://schemas.microsoft.com/office/drawing/2014/main" id="{9156591A-9AC6-DA73-A31B-65E8E55638C5}"/>
               </a:ext>
             </a:extLst>
           </p:cNvPr>
-          <p:cNvPicPr>
-            <a:picLocks noChangeAspect="1" noChangeArrowheads="1"/>
-          </p:cNvPicPr>
-          <p:nvPr/>
-        </p:nvPicPr>
-        <p:blipFill>
-          <a:blip r:embed="rId2">
-            <a:extLst>
-              <a:ext uri="{28A0092B-C50C-407E-A947-70E740481C1C}">
-                <a14:useLocalDpi xmlns:a14="http://schemas.microsoft.com/office/drawing/2010/main" val="0"/>
-              </a:ext>
-            </a:extLst>
-          </a:blip>
-          <a:srcRect/>
-          <a:stretch>
-            <a:fillRect/>
-          </a:stretch>
-        </p:blipFill>
-        <p:spPr bwMode="auto">
+          <p:cNvSpPr>
+            <a:spLocks noGrp="1"/>
+          </p:cNvSpPr>
+          <p:nvPr>
+            <p:ph idx="1"/>
+          </p:nvPr>
+        </p:nvSpPr>
+        <p:spPr>
           <a:xfrm>
-            <a:off x="3650203" y="1866900"/>
-            <a:ext cx="4165600" cy="3124200"/>
-          </a:xfrm>
-          <a:prstGeom prst="rect">
-            <a:avLst/>
-          </a:prstGeom>
-          <a:noFill/>
-          <a:extLst>
-            <a:ext uri="{909E8E84-426E-40DD-AFC4-6F175D3DCCD1}">
-              <a14:hiddenFill xmlns:a14="http://schemas.microsoft.com/office/drawing/2010/main">
-                <a:solidFill>
-                  <a:srgbClr val="FFFFFF"/>
-                </a:solidFill>
-              </a14:hiddenFill>
-            </a:ext>
-          </a:extLst>
+            <a:off x="1833838" y="1550504"/>
+            <a:ext cx="8915400" cy="3777622"/>
+          </a:xfrm>
         </p:spPr>
-      </p:pic>
+        <p:txBody>
+          <a:bodyPr>
+            <a:normAutofit lnSpcReduction="10000"/>
+          </a:bodyPr>
+          <a:lstStyle/>
+          <a:p>
+            <a:pPr marL="0" indent="0">
+              <a:buNone/>
+            </a:pPr>
+            <a:r>
+              <a:rPr lang="en-US" dirty="0"/>
+              <a:t>Iterator: In C++, an iterator is a special object that points to an element in a container, in this case, a set.</a:t>
+            </a:r>
+          </a:p>
+          <a:p>
+            <a:pPr marL="0" indent="0">
+              <a:buNone/>
+            </a:pPr>
+            <a:endParaRPr lang="en-US" dirty="0"/>
+          </a:p>
+          <a:p>
+            <a:pPr marL="0" indent="0">
+              <a:buNone/>
+            </a:pPr>
+            <a:r>
+              <a:rPr lang="en-US" dirty="0"/>
+              <a:t>Dereferencing: When we use *it, we are dereferencing the iterator it. It means we are accessing the value that the iterator is pointing to.</a:t>
+            </a:r>
+          </a:p>
+          <a:p>
+            <a:pPr marL="0" indent="0">
+              <a:buNone/>
+            </a:pPr>
+            <a:endParaRPr lang="en-US" dirty="0"/>
+          </a:p>
+          <a:p>
+            <a:pPr marL="0" indent="0">
+              <a:buNone/>
+            </a:pPr>
+            <a:r>
+              <a:rPr lang="en-US" dirty="0"/>
+              <a:t>Printing the Value: In the given loop, *it retrieves the value of the element that it is currently pointing to within the set. This value is then printed using std::</a:t>
+            </a:r>
+            <a:r>
+              <a:rPr lang="en-US" dirty="0" err="1"/>
+              <a:t>cout</a:t>
+            </a:r>
+            <a:r>
+              <a:rPr lang="en-US" dirty="0"/>
+              <a:t>.</a:t>
+            </a:r>
+          </a:p>
+          <a:p>
+            <a:pPr marL="0" indent="0">
+              <a:buNone/>
+            </a:pPr>
+            <a:endParaRPr lang="en-US" dirty="0"/>
+          </a:p>
+          <a:p>
+            <a:pPr marL="0" indent="0">
+              <a:buNone/>
+            </a:pPr>
+            <a:r>
+              <a:rPr lang="en-US" dirty="0"/>
+              <a:t>Iteration: During each iteration of the loop, the iterator it moves to the next element in the set, and *it fetches the value of that element for printing.</a:t>
+            </a:r>
+          </a:p>
+        </p:txBody>
+      </p:sp>
     </p:spTree>
     <p:extLst>
       <p:ext uri="{BB962C8B-B14F-4D97-AF65-F5344CB8AC3E}">
-        <p14:creationId xmlns:p14="http://schemas.microsoft.com/office/powerpoint/2010/main" val="3506709856"/>
+        <p14:creationId xmlns:p14="http://schemas.microsoft.com/office/powerpoint/2010/main" val="3917079736"/>
       </p:ext>
     </p:extLst>
   </p:cSld>
@@ -9190,7 +8817,7 @@
           <p:cNvPr id="2" name="Title 1">
             <a:extLst>
               <a:ext uri="{FF2B5EF4-FFF2-40B4-BE49-F238E27FC236}">
-                <a16:creationId xmlns:a16="http://schemas.microsoft.com/office/drawing/2014/main" id="{E3B7F971-0CAB-6502-D392-EE872561F03C}"/>
+                <a16:creationId xmlns:a16="http://schemas.microsoft.com/office/drawing/2014/main" id="{4E76A4F7-29E9-3A83-AC69-0A620428BD92}"/>
               </a:ext>
             </a:extLst>
           </p:cNvPr>
@@ -9203,8 +8830,8 @@
         </p:nvSpPr>
         <p:spPr>
           <a:xfrm>
-            <a:off x="3846146" y="445481"/>
-            <a:ext cx="4499708" cy="1280890"/>
+            <a:off x="3536080" y="604232"/>
+            <a:ext cx="5119840" cy="936333"/>
           </a:xfrm>
         </p:spPr>
         <p:txBody>
@@ -9213,55 +8840,113 @@
           </a:bodyPr>
           <a:lstStyle/>
           <a:p>
-            <a:pPr fontAlgn="base"/>
-            <a:r>
-              <a:rPr lang="en-US" b="1" i="0" dirty="0">
-                <a:solidFill>
-                  <a:srgbClr val="222222"/>
-                </a:solidFill>
-                <a:effectLst/>
-                <a:latin typeface="lato" panose="020F0502020204030203" pitchFamily="34" charset="0"/>
-              </a:rPr>
-              <a:t>Fundamentals C++</a:t>
+            <a:r>
+              <a:rPr lang="en-US" dirty="0" err="1"/>
+              <a:t>Excercises</a:t>
             </a:r>
             <a:endParaRPr lang="en-US" dirty="0"/>
           </a:p>
         </p:txBody>
       </p:sp>
-      <p:pic>
-        <p:nvPicPr>
-          <p:cNvPr id="4" name="Picture 3" descr="A black background with text and numbers&#10;&#10;Description automatically generated">
+      <p:sp>
+        <p:nvSpPr>
+          <p:cNvPr id="3" name="Content Placeholder 2">
             <a:extLst>
               <a:ext uri="{FF2B5EF4-FFF2-40B4-BE49-F238E27FC236}">
-                <a16:creationId xmlns:a16="http://schemas.microsoft.com/office/drawing/2014/main" id="{B31352B2-8650-2B56-BBF6-0B40A0F918CF}"/>
+                <a16:creationId xmlns:a16="http://schemas.microsoft.com/office/drawing/2014/main" id="{9156591A-9AC6-DA73-A31B-65E8E55638C5}"/>
               </a:ext>
             </a:extLst>
           </p:cNvPr>
-          <p:cNvPicPr>
-            <a:picLocks noChangeAspect="1"/>
-          </p:cNvPicPr>
-          <p:nvPr/>
-        </p:nvPicPr>
-        <p:blipFill>
-          <a:blip r:embed="rId2"/>
-          <a:stretch>
-            <a:fillRect/>
-          </a:stretch>
-        </p:blipFill>
+          <p:cNvSpPr>
+            <a:spLocks noGrp="1"/>
+          </p:cNvSpPr>
+          <p:nvPr>
+            <p:ph idx="1"/>
+          </p:nvPr>
+        </p:nvSpPr>
         <p:spPr>
           <a:xfrm>
-            <a:off x="2466522" y="2562678"/>
-            <a:ext cx="7832258" cy="1732644"/>
-          </a:xfrm>
-          <a:prstGeom prst="rect">
-            <a:avLst/>
-          </a:prstGeom>
+            <a:off x="1823899" y="1905000"/>
+            <a:ext cx="8915400" cy="3777622"/>
+          </a:xfrm>
         </p:spPr>
-      </p:pic>
+        <p:txBody>
+          <a:bodyPr/>
+          <a:lstStyle/>
+          <a:p>
+            <a:pPr>
+              <a:buFontTx/>
+              <a:buChar char="-"/>
+            </a:pPr>
+            <a:r>
+              <a:rPr lang="en-US" b="1" i="0" dirty="0">
+                <a:effectLst/>
+                <a:latin typeface="Söhne"/>
+              </a:rPr>
+              <a:t>Create a Set of Numbers</a:t>
+            </a:r>
+          </a:p>
+          <a:p>
+            <a:pPr>
+              <a:buFontTx/>
+              <a:buChar char="-"/>
+            </a:pPr>
+            <a:r>
+              <a:rPr lang="en-US" b="1" i="0" dirty="0">
+                <a:effectLst/>
+                <a:latin typeface="Söhne"/>
+              </a:rPr>
+              <a:t>Add and Remove Elements</a:t>
+            </a:r>
+            <a:endParaRPr lang="en-US" b="1" dirty="0">
+              <a:latin typeface="Söhne"/>
+            </a:endParaRPr>
+          </a:p>
+          <a:p>
+            <a:pPr>
+              <a:buFontTx/>
+              <a:buChar char="-"/>
+            </a:pPr>
+            <a:r>
+              <a:rPr lang="en-US" b="1" i="0" dirty="0">
+                <a:effectLst/>
+                <a:latin typeface="Söhne"/>
+              </a:rPr>
+              <a:t>Check Membership: </a:t>
+            </a:r>
+            <a:r>
+              <a:rPr lang="en-US" i="0" dirty="0">
+                <a:effectLst/>
+                <a:latin typeface="Söhne"/>
+              </a:rPr>
+              <a:t>For example, given the set {2, 4, 6, 8, 10}, check if 6 and 12 are present in the set.</a:t>
+            </a:r>
+          </a:p>
+          <a:p>
+            <a:pPr>
+              <a:buFontTx/>
+              <a:buChar char="-"/>
+            </a:pPr>
+            <a:r>
+              <a:rPr lang="en-US" b="1" i="0" dirty="0">
+                <a:effectLst/>
+                <a:latin typeface="Söhne"/>
+              </a:rPr>
+              <a:t>Remove Duplicates</a:t>
+            </a:r>
+          </a:p>
+          <a:p>
+            <a:pPr marL="0" indent="0">
+              <a:buNone/>
+            </a:pPr>
+            <a:endParaRPr lang="en-US" dirty="0"/>
+          </a:p>
+        </p:txBody>
+      </p:sp>
     </p:spTree>
     <p:extLst>
       <p:ext uri="{BB962C8B-B14F-4D97-AF65-F5344CB8AC3E}">
-        <p14:creationId xmlns:p14="http://schemas.microsoft.com/office/powerpoint/2010/main" val="4284239596"/>
+        <p14:creationId xmlns:p14="http://schemas.microsoft.com/office/powerpoint/2010/main" val="2761729877"/>
       </p:ext>
     </p:extLst>
   </p:cSld>
